--- a/contents/2020_ITinerary/assets/session_1_2/preclass.pptx
+++ b/contents/2020_ITinerary/assets/session_1_2/preclass.pptx
@@ -388,7 +388,7 @@
           <a:p>
             <a:fld id="{2F8130A2-CFDC-4F64-A56B-9BC7826900FC}" type="datetimeFigureOut">
               <a:rPr lang="ko-KR" altLang="en-US" smtClean="0"/>
-              <a:t>2020-11-17</a:t>
+              <a:t>2020-11-20</a:t>
             </a:fld>
             <a:endParaRPr lang="ko-KR" altLang="en-US"/>
           </a:p>
